--- a/HoI4/SCP-EQ-Tools/SCP-EQ-Tools/_SCP-EQ-Tools_assets/CHI_Flag.pptx
+++ b/HoI4/SCP-EQ-Tools/SCP-EQ-Tools/_SCP-EQ-Tools_assets/CHI_Flag.pptx
@@ -4568,8 +4568,8 @@
         </p:nvSpPr>
         <p:spPr>
           <a:xfrm>
-            <a:off x="1619650" y="1800"/>
-            <a:ext cx="9194400" cy="6858000"/>
+            <a:off x="1976050" y="0"/>
+            <a:ext cx="8838000" cy="6858000"/>
           </a:xfrm>
           <a:prstGeom prst="rect">
             <a:avLst/>
@@ -4614,8 +4614,8 @@
         </p:nvSpPr>
         <p:spPr>
           <a:xfrm>
-            <a:off x="1619650" y="0"/>
-            <a:ext cx="3787550" cy="3430800"/>
+            <a:off x="1976050" y="0"/>
+            <a:ext cx="3431150" cy="3430800"/>
           </a:xfrm>
           <a:prstGeom prst="rect">
             <a:avLst/>
@@ -4660,7 +4660,7 @@
         </p:nvGrpSpPr>
         <p:grpSpPr>
           <a:xfrm>
-            <a:off x="2214215" y="416190"/>
+            <a:off x="2392415" y="416190"/>
             <a:ext cx="2598419" cy="2598419"/>
             <a:chOff x="3238500" y="571501"/>
             <a:chExt cx="5715000" cy="5714999"/>
@@ -5333,8 +5333,8 @@
         </p:nvSpPr>
         <p:spPr>
           <a:xfrm>
-            <a:off x="0" y="0"/>
-            <a:ext cx="1620000" cy="6858000"/>
+            <a:off x="-1" y="0"/>
+            <a:ext cx="1976049" cy="6858000"/>
           </a:xfrm>
           <a:prstGeom prst="rect">
             <a:avLst/>
@@ -5368,20 +5368,44 @@
           <a:p>
             <a:pPr algn="ctr">
               <a:lnSpc>
-                <a:spcPct val="70000"/>
+                <a:spcPct val="85000"/>
               </a:lnSpc>
             </a:pPr>
             <a:r>
-              <a:rPr lang="zh-TW" altLang="en-US" sz="10000" b="1" smtClean="0">
+              <a:rPr lang="zh-TW" altLang="en-US" sz="12500" b="1" smtClean="0">
                 <a:solidFill>
                   <a:schemeClr val="tx1"/>
                 </a:solidFill>
                 <a:latin typeface="DFKai-SB" panose="03000509000000000000" pitchFamily="65" charset="-120"/>
                 <a:ea typeface="DFKai-SB" panose="03000509000000000000" pitchFamily="65" charset="-120"/>
               </a:rPr>
-              <a:t>日本戡亂政府</a:t>
+              <a:t>駐</a:t>
             </a:r>
-            <a:endParaRPr lang="zh-CN" altLang="en-US" sz="10000" b="1">
+            <a:endParaRPr lang="en-US" altLang="zh-TW" sz="12500" b="1" smtClean="0">
+              <a:solidFill>
+                <a:schemeClr val="tx1"/>
+              </a:solidFill>
+              <a:latin typeface="DFKai-SB" panose="03000509000000000000" pitchFamily="65" charset="-120"/>
+              <a:ea typeface="DFKai-SB" panose="03000509000000000000" pitchFamily="65" charset="-120"/>
+            </a:endParaRPr>
+          </a:p>
+          <a:p>
+            <a:pPr algn="ctr">
+              <a:lnSpc>
+                <a:spcPct val="85000"/>
+              </a:lnSpc>
+            </a:pPr>
+            <a:r>
+              <a:rPr lang="zh-TW" altLang="en-US" sz="12500" b="1" smtClean="0">
+                <a:solidFill>
+                  <a:schemeClr val="tx1"/>
+                </a:solidFill>
+                <a:latin typeface="DFKai-SB" panose="03000509000000000000" pitchFamily="65" charset="-120"/>
+                <a:ea typeface="DFKai-SB" panose="03000509000000000000" pitchFamily="65" charset="-120"/>
+              </a:rPr>
+              <a:t>日戡亂</a:t>
+            </a:r>
+            <a:endParaRPr lang="en-US" altLang="zh-TW" sz="12500" b="1" smtClean="0">
               <a:solidFill>
                 <a:schemeClr val="tx1"/>
               </a:solidFill>
@@ -5429,8 +5453,8 @@
         </p:nvSpPr>
         <p:spPr>
           <a:xfrm>
-            <a:off x="1619650" y="1800"/>
-            <a:ext cx="9194400" cy="6858000"/>
+            <a:off x="1976050" y="0"/>
+            <a:ext cx="8838000" cy="6858000"/>
           </a:xfrm>
           <a:prstGeom prst="rect">
             <a:avLst/>
@@ -5475,8 +5499,8 @@
         </p:nvSpPr>
         <p:spPr>
           <a:xfrm>
-            <a:off x="1619650" y="0"/>
-            <a:ext cx="3787550" cy="3430800"/>
+            <a:off x="1976050" y="0"/>
+            <a:ext cx="3431150" cy="3430800"/>
           </a:xfrm>
           <a:prstGeom prst="rect">
             <a:avLst/>
@@ -5521,7 +5545,7 @@
         </p:nvGrpSpPr>
         <p:grpSpPr>
           <a:xfrm>
-            <a:off x="2214215" y="416190"/>
+            <a:off x="2392415" y="416190"/>
             <a:ext cx="2598419" cy="2598419"/>
             <a:chOff x="3238500" y="571501"/>
             <a:chExt cx="5715000" cy="5714999"/>
@@ -6194,8 +6218,8 @@
         </p:nvSpPr>
         <p:spPr>
           <a:xfrm>
-            <a:off x="0" y="0"/>
-            <a:ext cx="1620000" cy="6858000"/>
+            <a:off x="-1" y="0"/>
+            <a:ext cx="1976049" cy="6858000"/>
           </a:xfrm>
           <a:prstGeom prst="rect">
             <a:avLst/>
@@ -6240,7 +6264,151 @@
                 <a:latin typeface="DFKai-SB" panose="03000509000000000000" pitchFamily="65" charset="-120"/>
                 <a:ea typeface="DFKai-SB" panose="03000509000000000000" pitchFamily="65" charset="-120"/>
               </a:rPr>
-              <a:t>日本特別行政區</a:t>
+              <a:t>日</a:t>
+            </a:r>
+            <a:endParaRPr lang="en-US" altLang="zh-TW" sz="8500" b="1" smtClean="0">
+              <a:solidFill>
+                <a:schemeClr val="tx1"/>
+              </a:solidFill>
+              <a:latin typeface="DFKai-SB" panose="03000509000000000000" pitchFamily="65" charset="-120"/>
+              <a:ea typeface="DFKai-SB" panose="03000509000000000000" pitchFamily="65" charset="-120"/>
+            </a:endParaRPr>
+          </a:p>
+          <a:p>
+            <a:pPr algn="ctr">
+              <a:lnSpc>
+                <a:spcPct val="70000"/>
+              </a:lnSpc>
+            </a:pPr>
+            <a:r>
+              <a:rPr lang="zh-TW" altLang="en-US" sz="8500" b="1" smtClean="0">
+                <a:solidFill>
+                  <a:schemeClr val="tx1"/>
+                </a:solidFill>
+                <a:latin typeface="DFKai-SB" panose="03000509000000000000" pitchFamily="65" charset="-120"/>
+                <a:ea typeface="DFKai-SB" panose="03000509000000000000" pitchFamily="65" charset="-120"/>
+              </a:rPr>
+              <a:t>本</a:t>
+            </a:r>
+            <a:endParaRPr lang="en-US" altLang="zh-TW" sz="8500" b="1" smtClean="0">
+              <a:solidFill>
+                <a:schemeClr val="tx1"/>
+              </a:solidFill>
+              <a:latin typeface="DFKai-SB" panose="03000509000000000000" pitchFamily="65" charset="-120"/>
+              <a:ea typeface="DFKai-SB" panose="03000509000000000000" pitchFamily="65" charset="-120"/>
+            </a:endParaRPr>
+          </a:p>
+          <a:p>
+            <a:pPr algn="ctr">
+              <a:lnSpc>
+                <a:spcPct val="70000"/>
+              </a:lnSpc>
+            </a:pPr>
+            <a:r>
+              <a:rPr lang="zh-TW" altLang="en-US" sz="8500" b="1" smtClean="0">
+                <a:solidFill>
+                  <a:schemeClr val="tx1"/>
+                </a:solidFill>
+                <a:latin typeface="DFKai-SB" panose="03000509000000000000" pitchFamily="65" charset="-120"/>
+                <a:ea typeface="DFKai-SB" panose="03000509000000000000" pitchFamily="65" charset="-120"/>
+              </a:rPr>
+              <a:t>特</a:t>
+            </a:r>
+            <a:endParaRPr lang="en-US" altLang="zh-TW" sz="8500" b="1" smtClean="0">
+              <a:solidFill>
+                <a:schemeClr val="tx1"/>
+              </a:solidFill>
+              <a:latin typeface="DFKai-SB" panose="03000509000000000000" pitchFamily="65" charset="-120"/>
+              <a:ea typeface="DFKai-SB" panose="03000509000000000000" pitchFamily="65" charset="-120"/>
+            </a:endParaRPr>
+          </a:p>
+          <a:p>
+            <a:pPr algn="ctr">
+              <a:lnSpc>
+                <a:spcPct val="70000"/>
+              </a:lnSpc>
+            </a:pPr>
+            <a:r>
+              <a:rPr lang="zh-TW" altLang="en-US" sz="8500" b="1" smtClean="0">
+                <a:solidFill>
+                  <a:schemeClr val="tx1"/>
+                </a:solidFill>
+                <a:latin typeface="DFKai-SB" panose="03000509000000000000" pitchFamily="65" charset="-120"/>
+                <a:ea typeface="DFKai-SB" panose="03000509000000000000" pitchFamily="65" charset="-120"/>
+              </a:rPr>
+              <a:t>別</a:t>
+            </a:r>
+            <a:endParaRPr lang="en-US" altLang="zh-TW" sz="8500" b="1" smtClean="0">
+              <a:solidFill>
+                <a:schemeClr val="tx1"/>
+              </a:solidFill>
+              <a:latin typeface="DFKai-SB" panose="03000509000000000000" pitchFamily="65" charset="-120"/>
+              <a:ea typeface="DFKai-SB" panose="03000509000000000000" pitchFamily="65" charset="-120"/>
+            </a:endParaRPr>
+          </a:p>
+          <a:p>
+            <a:pPr algn="ctr">
+              <a:lnSpc>
+                <a:spcPct val="70000"/>
+              </a:lnSpc>
+            </a:pPr>
+            <a:r>
+              <a:rPr lang="zh-TW" altLang="en-US" sz="8500" b="1" smtClean="0">
+                <a:solidFill>
+                  <a:schemeClr val="tx1"/>
+                </a:solidFill>
+                <a:latin typeface="DFKai-SB" panose="03000509000000000000" pitchFamily="65" charset="-120"/>
+                <a:ea typeface="DFKai-SB" panose="03000509000000000000" pitchFamily="65" charset="-120"/>
+              </a:rPr>
+              <a:t>行</a:t>
+            </a:r>
+            <a:endParaRPr lang="en-US" altLang="zh-TW" sz="8500" b="1" smtClean="0">
+              <a:solidFill>
+                <a:schemeClr val="tx1"/>
+              </a:solidFill>
+              <a:latin typeface="DFKai-SB" panose="03000509000000000000" pitchFamily="65" charset="-120"/>
+              <a:ea typeface="DFKai-SB" panose="03000509000000000000" pitchFamily="65" charset="-120"/>
+            </a:endParaRPr>
+          </a:p>
+          <a:p>
+            <a:pPr algn="ctr">
+              <a:lnSpc>
+                <a:spcPct val="70000"/>
+              </a:lnSpc>
+            </a:pPr>
+            <a:r>
+              <a:rPr lang="zh-TW" altLang="en-US" sz="8500" b="1" smtClean="0">
+                <a:solidFill>
+                  <a:schemeClr val="tx1"/>
+                </a:solidFill>
+                <a:latin typeface="DFKai-SB" panose="03000509000000000000" pitchFamily="65" charset="-120"/>
+                <a:ea typeface="DFKai-SB" panose="03000509000000000000" pitchFamily="65" charset="-120"/>
+              </a:rPr>
+              <a:t>政</a:t>
+            </a:r>
+            <a:endParaRPr lang="en-US" altLang="zh-TW" sz="8500" b="1" smtClean="0">
+              <a:solidFill>
+                <a:schemeClr val="tx1"/>
+              </a:solidFill>
+              <a:latin typeface="DFKai-SB" panose="03000509000000000000" pitchFamily="65" charset="-120"/>
+              <a:ea typeface="DFKai-SB" panose="03000509000000000000" pitchFamily="65" charset="-120"/>
+            </a:endParaRPr>
+          </a:p>
+          <a:p>
+            <a:pPr algn="ctr">
+              <a:lnSpc>
+                <a:spcPct val="70000"/>
+              </a:lnSpc>
+            </a:pPr>
+            <a:r>
+              <a:rPr lang="zh-TW" altLang="en-US" sz="8500" b="1" smtClean="0">
+                <a:solidFill>
+                  <a:schemeClr val="tx1"/>
+                </a:solidFill>
+                <a:latin typeface="DFKai-SB" panose="03000509000000000000" pitchFamily="65" charset="-120"/>
+                <a:ea typeface="DFKai-SB" panose="03000509000000000000" pitchFamily="65" charset="-120"/>
+              </a:rPr>
+              <a:t>區</a:t>
             </a:r>
             <a:endParaRPr lang="zh-CN" altLang="en-US" sz="8500" b="1">
               <a:solidFill>

--- a/HoI4/SCP-EQ-Tools/SCP-EQ-Tools/_SCP-EQ-Tools_assets/CHI_Flag.pptx
+++ b/HoI4/SCP-EQ-Tools/SCP-EQ-Tools/_SCP-EQ-Tools_assets/CHI_Flag.pptx
@@ -209,7 +209,7 @@
           <a:p>
             <a:fld id="{AD9DFCFE-27DA-48B2-9B07-B4C20CD6C499}" type="datetimeFigureOut">
               <a:rPr lang="zh-CN" altLang="en-US" smtClean="0"/>
-              <a:t>2025/9/16</a:t>
+              <a:t>2025/9/24</a:t>
             </a:fld>
             <a:endParaRPr lang="zh-CN" altLang="en-US"/>
           </a:p>
@@ -1580,7 +1580,7 @@
           <a:p>
             <a:fld id="{ED2EBBB6-B2F7-45FE-8FEE-172CAE584435}" type="datetimeFigureOut">
               <a:rPr lang="zh-CN" altLang="en-US" smtClean="0"/>
-              <a:t>2025/9/16</a:t>
+              <a:t>2025/9/24</a:t>
             </a:fld>
             <a:endParaRPr lang="zh-CN" altLang="en-US"/>
           </a:p>
@@ -1750,7 +1750,7 @@
           <a:p>
             <a:fld id="{ED2EBBB6-B2F7-45FE-8FEE-172CAE584435}" type="datetimeFigureOut">
               <a:rPr lang="zh-CN" altLang="en-US" smtClean="0"/>
-              <a:t>2025/9/16</a:t>
+              <a:t>2025/9/24</a:t>
             </a:fld>
             <a:endParaRPr lang="zh-CN" altLang="en-US"/>
           </a:p>
@@ -1930,7 +1930,7 @@
           <a:p>
             <a:fld id="{ED2EBBB6-B2F7-45FE-8FEE-172CAE584435}" type="datetimeFigureOut">
               <a:rPr lang="zh-CN" altLang="en-US" smtClean="0"/>
-              <a:t>2025/9/16</a:t>
+              <a:t>2025/9/24</a:t>
             </a:fld>
             <a:endParaRPr lang="zh-CN" altLang="en-US"/>
           </a:p>
@@ -2100,7 +2100,7 @@
           <a:p>
             <a:fld id="{ED2EBBB6-B2F7-45FE-8FEE-172CAE584435}" type="datetimeFigureOut">
               <a:rPr lang="zh-CN" altLang="en-US" smtClean="0"/>
-              <a:t>2025/9/16</a:t>
+              <a:t>2025/9/24</a:t>
             </a:fld>
             <a:endParaRPr lang="zh-CN" altLang="en-US"/>
           </a:p>
@@ -2346,7 +2346,7 @@
           <a:p>
             <a:fld id="{ED2EBBB6-B2F7-45FE-8FEE-172CAE584435}" type="datetimeFigureOut">
               <a:rPr lang="zh-CN" altLang="en-US" smtClean="0"/>
-              <a:t>2025/9/16</a:t>
+              <a:t>2025/9/24</a:t>
             </a:fld>
             <a:endParaRPr lang="zh-CN" altLang="en-US"/>
           </a:p>
@@ -2578,7 +2578,7 @@
           <a:p>
             <a:fld id="{ED2EBBB6-B2F7-45FE-8FEE-172CAE584435}" type="datetimeFigureOut">
               <a:rPr lang="zh-CN" altLang="en-US" smtClean="0"/>
-              <a:t>2025/9/16</a:t>
+              <a:t>2025/9/24</a:t>
             </a:fld>
             <a:endParaRPr lang="zh-CN" altLang="en-US"/>
           </a:p>
@@ -2945,7 +2945,7 @@
           <a:p>
             <a:fld id="{ED2EBBB6-B2F7-45FE-8FEE-172CAE584435}" type="datetimeFigureOut">
               <a:rPr lang="zh-CN" altLang="en-US" smtClean="0"/>
-              <a:t>2025/9/16</a:t>
+              <a:t>2025/9/24</a:t>
             </a:fld>
             <a:endParaRPr lang="zh-CN" altLang="en-US"/>
           </a:p>
@@ -3063,7 +3063,7 @@
           <a:p>
             <a:fld id="{ED2EBBB6-B2F7-45FE-8FEE-172CAE584435}" type="datetimeFigureOut">
               <a:rPr lang="zh-CN" altLang="en-US" smtClean="0"/>
-              <a:t>2025/9/16</a:t>
+              <a:t>2025/9/24</a:t>
             </a:fld>
             <a:endParaRPr lang="zh-CN" altLang="en-US"/>
           </a:p>
@@ -3158,7 +3158,7 @@
           <a:p>
             <a:fld id="{ED2EBBB6-B2F7-45FE-8FEE-172CAE584435}" type="datetimeFigureOut">
               <a:rPr lang="zh-CN" altLang="en-US" smtClean="0"/>
-              <a:t>2025/9/16</a:t>
+              <a:t>2025/9/24</a:t>
             </a:fld>
             <a:endParaRPr lang="zh-CN" altLang="en-US"/>
           </a:p>
@@ -3435,7 +3435,7 @@
           <a:p>
             <a:fld id="{ED2EBBB6-B2F7-45FE-8FEE-172CAE584435}" type="datetimeFigureOut">
               <a:rPr lang="zh-CN" altLang="en-US" smtClean="0"/>
-              <a:t>2025/9/16</a:t>
+              <a:t>2025/9/24</a:t>
             </a:fld>
             <a:endParaRPr lang="zh-CN" altLang="en-US"/>
           </a:p>
@@ -3692,7 +3692,7 @@
           <a:p>
             <a:fld id="{ED2EBBB6-B2F7-45FE-8FEE-172CAE584435}" type="datetimeFigureOut">
               <a:rPr lang="zh-CN" altLang="en-US" smtClean="0"/>
-              <a:t>2025/9/16</a:t>
+              <a:t>2025/9/24</a:t>
             </a:fld>
             <a:endParaRPr lang="zh-CN" altLang="en-US"/>
           </a:p>
@@ -3905,7 +3905,7 @@
           <a:p>
             <a:fld id="{ED2EBBB6-B2F7-45FE-8FEE-172CAE584435}" type="datetimeFigureOut">
               <a:rPr lang="zh-CN" altLang="en-US" smtClean="0"/>
-              <a:t>2025/9/16</a:t>
+              <a:t>2025/9/24</a:t>
             </a:fld>
             <a:endParaRPr lang="zh-CN" altLang="en-US"/>
           </a:p>
@@ -10238,8 +10238,8 @@
         </p:nvSpPr>
         <p:spPr>
           <a:xfrm>
-            <a:off x="1976050" y="0"/>
-            <a:ext cx="3431150" cy="3430800"/>
+            <a:off x="4184649" y="1715399"/>
+            <a:ext cx="4420800" cy="3427200"/>
           </a:xfrm>
           <a:prstGeom prst="rect">
             <a:avLst/>
@@ -10284,7 +10284,7 @@
         </p:nvGrpSpPr>
         <p:grpSpPr>
           <a:xfrm>
-            <a:off x="2392415" y="416190"/>
+            <a:off x="5095839" y="2129789"/>
             <a:ext cx="2598419" cy="2598419"/>
             <a:chOff x="3238500" y="571501"/>
             <a:chExt cx="5715000" cy="5714999"/>
@@ -11165,14 +11165,152 @@
       </p:sp>
       <p:sp>
         <p:nvSpPr>
-          <p:cNvPr id="6" name="矩形 5"/>
+          <p:cNvPr id="10" name="矩形 9"/>
           <p:cNvSpPr/>
           <p:nvPr/>
         </p:nvSpPr>
         <p:spPr>
           <a:xfrm>
-            <a:off x="1976050" y="0"/>
-            <a:ext cx="3431150" cy="3430800"/>
+            <a:off x="-1" y="0"/>
+            <a:ext cx="1976049" cy="6858000"/>
+          </a:xfrm>
+          <a:prstGeom prst="rect">
+            <a:avLst/>
+          </a:prstGeom>
+          <a:solidFill>
+            <a:schemeClr val="bg1"/>
+          </a:solidFill>
+          <a:ln>
+            <a:noFill/>
+          </a:ln>
+        </p:spPr>
+        <p:style>
+          <a:lnRef idx="2">
+            <a:schemeClr val="accent1">
+              <a:shade val="50000"/>
+            </a:schemeClr>
+          </a:lnRef>
+          <a:fillRef idx="1">
+            <a:schemeClr val="accent1"/>
+          </a:fillRef>
+          <a:effectRef idx="0">
+            <a:schemeClr val="accent1"/>
+          </a:effectRef>
+          <a:fontRef idx="minor">
+            <a:schemeClr val="lt1"/>
+          </a:fontRef>
+        </p:style>
+        <p:txBody>
+          <a:bodyPr rtlCol="0" anchor="ctr"/>
+          <a:lstStyle/>
+          <a:p>
+            <a:pPr algn="ctr">
+              <a:lnSpc>
+                <a:spcPct val="85000"/>
+              </a:lnSpc>
+            </a:pPr>
+            <a:r>
+              <a:rPr lang="zh-TW" altLang="en-US" sz="12500" b="1" smtClean="0">
+                <a:solidFill>
+                  <a:schemeClr val="tx1"/>
+                </a:solidFill>
+                <a:latin typeface="DFKai-SB" panose="03000509000000000000" pitchFamily="65" charset="-120"/>
+                <a:ea typeface="DFKai-SB" panose="03000509000000000000" pitchFamily="65" charset="-120"/>
+              </a:rPr>
+              <a:t>兩</a:t>
+            </a:r>
+            <a:endParaRPr lang="en-US" altLang="zh-TW" sz="12500" b="1" smtClean="0">
+              <a:solidFill>
+                <a:schemeClr val="tx1"/>
+              </a:solidFill>
+              <a:latin typeface="DFKai-SB" panose="03000509000000000000" pitchFamily="65" charset="-120"/>
+              <a:ea typeface="DFKai-SB" panose="03000509000000000000" pitchFamily="65" charset="-120"/>
+            </a:endParaRPr>
+          </a:p>
+          <a:p>
+            <a:pPr algn="ctr">
+              <a:lnSpc>
+                <a:spcPct val="85000"/>
+              </a:lnSpc>
+            </a:pPr>
+            <a:r>
+              <a:rPr lang="zh-TW" altLang="en-US" sz="12500" b="1" smtClean="0">
+                <a:solidFill>
+                  <a:schemeClr val="tx1"/>
+                </a:solidFill>
+                <a:latin typeface="DFKai-SB" panose="03000509000000000000" pitchFamily="65" charset="-120"/>
+                <a:ea typeface="DFKai-SB" panose="03000509000000000000" pitchFamily="65" charset="-120"/>
+              </a:rPr>
+              <a:t>廣</a:t>
+            </a:r>
+            <a:endParaRPr lang="en-US" altLang="zh-TW" sz="12500" b="1" smtClean="0">
+              <a:solidFill>
+                <a:schemeClr val="tx1"/>
+              </a:solidFill>
+              <a:latin typeface="DFKai-SB" panose="03000509000000000000" pitchFamily="65" charset="-120"/>
+              <a:ea typeface="DFKai-SB" panose="03000509000000000000" pitchFamily="65" charset="-120"/>
+            </a:endParaRPr>
+          </a:p>
+          <a:p>
+            <a:pPr algn="ctr">
+              <a:lnSpc>
+                <a:spcPct val="85000"/>
+              </a:lnSpc>
+            </a:pPr>
+            <a:r>
+              <a:rPr lang="zh-TW" altLang="en-US" sz="12500" b="1" smtClean="0">
+                <a:solidFill>
+                  <a:schemeClr val="tx1"/>
+                </a:solidFill>
+                <a:latin typeface="DFKai-SB" panose="03000509000000000000" pitchFamily="65" charset="-120"/>
+                <a:ea typeface="DFKai-SB" panose="03000509000000000000" pitchFamily="65" charset="-120"/>
+              </a:rPr>
+              <a:t>行</a:t>
+            </a:r>
+            <a:endParaRPr lang="en-US" altLang="zh-TW" sz="12500" b="1" smtClean="0">
+              <a:solidFill>
+                <a:schemeClr val="tx1"/>
+              </a:solidFill>
+              <a:latin typeface="DFKai-SB" panose="03000509000000000000" pitchFamily="65" charset="-120"/>
+              <a:ea typeface="DFKai-SB" panose="03000509000000000000" pitchFamily="65" charset="-120"/>
+            </a:endParaRPr>
+          </a:p>
+          <a:p>
+            <a:pPr algn="ctr">
+              <a:lnSpc>
+                <a:spcPct val="85000"/>
+              </a:lnSpc>
+            </a:pPr>
+            <a:r>
+              <a:rPr lang="zh-TW" altLang="en-US" sz="12500" b="1" smtClean="0">
+                <a:solidFill>
+                  <a:schemeClr val="tx1"/>
+                </a:solidFill>
+                <a:latin typeface="DFKai-SB" panose="03000509000000000000" pitchFamily="65" charset="-120"/>
+                <a:ea typeface="DFKai-SB" panose="03000509000000000000" pitchFamily="65" charset="-120"/>
+              </a:rPr>
+              <a:t>署</a:t>
+            </a:r>
+            <a:endParaRPr lang="en-US" altLang="zh-TW" sz="12500" b="1" smtClean="0">
+              <a:solidFill>
+                <a:schemeClr val="tx1"/>
+              </a:solidFill>
+              <a:latin typeface="DFKai-SB" panose="03000509000000000000" pitchFamily="65" charset="-120"/>
+              <a:ea typeface="DFKai-SB" panose="03000509000000000000" pitchFamily="65" charset="-120"/>
+            </a:endParaRPr>
+          </a:p>
+        </p:txBody>
+      </p:sp>
+      <p:sp>
+        <p:nvSpPr>
+          <p:cNvPr id="11" name="矩形 10"/>
+          <p:cNvSpPr/>
+          <p:nvPr/>
+        </p:nvSpPr>
+        <p:spPr>
+          <a:xfrm>
+            <a:off x="4184649" y="1715399"/>
+            <a:ext cx="4420800" cy="3427200"/>
           </a:xfrm>
           <a:prstGeom prst="rect">
             <a:avLst/>
@@ -11211,13 +11349,13 @@
       </p:sp>
       <p:grpSp>
         <p:nvGrpSpPr>
-          <p:cNvPr id="7" name="群組 6"/>
+          <p:cNvPr id="12" name="群組 11"/>
           <p:cNvGrpSpPr/>
           <p:nvPr/>
         </p:nvGrpSpPr>
         <p:grpSpPr>
           <a:xfrm>
-            <a:off x="2392415" y="416190"/>
+            <a:off x="5095839" y="2129789"/>
             <a:ext cx="2598419" cy="2598419"/>
             <a:chOff x="3238500" y="571501"/>
             <a:chExt cx="5715000" cy="5714999"/>
@@ -11225,7 +11363,7 @@
         </p:grpSpPr>
         <p:sp>
           <p:nvSpPr>
-            <p:cNvPr id="8" name="手繪多邊形 7"/>
+            <p:cNvPr id="13" name="手繪多邊形 12"/>
             <p:cNvSpPr/>
             <p:nvPr/>
           </p:nvSpPr>
@@ -11837,7 +11975,7 @@
         </p:sp>
         <p:sp>
           <p:nvSpPr>
-            <p:cNvPr id="9" name="橢圓 8"/>
+            <p:cNvPr id="14" name="橢圓 13"/>
             <p:cNvSpPr/>
             <p:nvPr/>
           </p:nvSpPr>
@@ -11882,144 +12020,6 @@
           </p:txBody>
         </p:sp>
       </p:grpSp>
-      <p:sp>
-        <p:nvSpPr>
-          <p:cNvPr id="10" name="矩形 9"/>
-          <p:cNvSpPr/>
-          <p:nvPr/>
-        </p:nvSpPr>
-        <p:spPr>
-          <a:xfrm>
-            <a:off x="-1" y="0"/>
-            <a:ext cx="1976049" cy="6858000"/>
-          </a:xfrm>
-          <a:prstGeom prst="rect">
-            <a:avLst/>
-          </a:prstGeom>
-          <a:solidFill>
-            <a:schemeClr val="bg1"/>
-          </a:solidFill>
-          <a:ln>
-            <a:noFill/>
-          </a:ln>
-        </p:spPr>
-        <p:style>
-          <a:lnRef idx="2">
-            <a:schemeClr val="accent1">
-              <a:shade val="50000"/>
-            </a:schemeClr>
-          </a:lnRef>
-          <a:fillRef idx="1">
-            <a:schemeClr val="accent1"/>
-          </a:fillRef>
-          <a:effectRef idx="0">
-            <a:schemeClr val="accent1"/>
-          </a:effectRef>
-          <a:fontRef idx="minor">
-            <a:schemeClr val="lt1"/>
-          </a:fontRef>
-        </p:style>
-        <p:txBody>
-          <a:bodyPr rtlCol="0" anchor="ctr"/>
-          <a:lstStyle/>
-          <a:p>
-            <a:pPr algn="ctr">
-              <a:lnSpc>
-                <a:spcPct val="85000"/>
-              </a:lnSpc>
-            </a:pPr>
-            <a:r>
-              <a:rPr lang="zh-TW" altLang="en-US" sz="12500" b="1" smtClean="0">
-                <a:solidFill>
-                  <a:schemeClr val="tx1"/>
-                </a:solidFill>
-                <a:latin typeface="DFKai-SB" panose="03000509000000000000" pitchFamily="65" charset="-120"/>
-                <a:ea typeface="DFKai-SB" panose="03000509000000000000" pitchFamily="65" charset="-120"/>
-              </a:rPr>
-              <a:t>兩</a:t>
-            </a:r>
-            <a:endParaRPr lang="en-US" altLang="zh-TW" sz="12500" b="1" smtClean="0">
-              <a:solidFill>
-                <a:schemeClr val="tx1"/>
-              </a:solidFill>
-              <a:latin typeface="DFKai-SB" panose="03000509000000000000" pitchFamily="65" charset="-120"/>
-              <a:ea typeface="DFKai-SB" panose="03000509000000000000" pitchFamily="65" charset="-120"/>
-            </a:endParaRPr>
-          </a:p>
-          <a:p>
-            <a:pPr algn="ctr">
-              <a:lnSpc>
-                <a:spcPct val="85000"/>
-              </a:lnSpc>
-            </a:pPr>
-            <a:r>
-              <a:rPr lang="zh-TW" altLang="en-US" sz="12500" b="1" smtClean="0">
-                <a:solidFill>
-                  <a:schemeClr val="tx1"/>
-                </a:solidFill>
-                <a:latin typeface="DFKai-SB" panose="03000509000000000000" pitchFamily="65" charset="-120"/>
-                <a:ea typeface="DFKai-SB" panose="03000509000000000000" pitchFamily="65" charset="-120"/>
-              </a:rPr>
-              <a:t>廣</a:t>
-            </a:r>
-            <a:endParaRPr lang="en-US" altLang="zh-TW" sz="12500" b="1" smtClean="0">
-              <a:solidFill>
-                <a:schemeClr val="tx1"/>
-              </a:solidFill>
-              <a:latin typeface="DFKai-SB" panose="03000509000000000000" pitchFamily="65" charset="-120"/>
-              <a:ea typeface="DFKai-SB" panose="03000509000000000000" pitchFamily="65" charset="-120"/>
-            </a:endParaRPr>
-          </a:p>
-          <a:p>
-            <a:pPr algn="ctr">
-              <a:lnSpc>
-                <a:spcPct val="85000"/>
-              </a:lnSpc>
-            </a:pPr>
-            <a:r>
-              <a:rPr lang="zh-TW" altLang="en-US" sz="12500" b="1" smtClean="0">
-                <a:solidFill>
-                  <a:schemeClr val="tx1"/>
-                </a:solidFill>
-                <a:latin typeface="DFKai-SB" panose="03000509000000000000" pitchFamily="65" charset="-120"/>
-                <a:ea typeface="DFKai-SB" panose="03000509000000000000" pitchFamily="65" charset="-120"/>
-              </a:rPr>
-              <a:t>行</a:t>
-            </a:r>
-            <a:endParaRPr lang="en-US" altLang="zh-TW" sz="12500" b="1" smtClean="0">
-              <a:solidFill>
-                <a:schemeClr val="tx1"/>
-              </a:solidFill>
-              <a:latin typeface="DFKai-SB" panose="03000509000000000000" pitchFamily="65" charset="-120"/>
-              <a:ea typeface="DFKai-SB" panose="03000509000000000000" pitchFamily="65" charset="-120"/>
-            </a:endParaRPr>
-          </a:p>
-          <a:p>
-            <a:pPr algn="ctr">
-              <a:lnSpc>
-                <a:spcPct val="85000"/>
-              </a:lnSpc>
-            </a:pPr>
-            <a:r>
-              <a:rPr lang="zh-TW" altLang="en-US" sz="12500" b="1" smtClean="0">
-                <a:solidFill>
-                  <a:schemeClr val="tx1"/>
-                </a:solidFill>
-                <a:latin typeface="DFKai-SB" panose="03000509000000000000" pitchFamily="65" charset="-120"/>
-                <a:ea typeface="DFKai-SB" panose="03000509000000000000" pitchFamily="65" charset="-120"/>
-              </a:rPr>
-              <a:t>署</a:t>
-            </a:r>
-            <a:endParaRPr lang="en-US" altLang="zh-TW" sz="12500" b="1" smtClean="0">
-              <a:solidFill>
-                <a:schemeClr val="tx1"/>
-              </a:solidFill>
-              <a:latin typeface="DFKai-SB" panose="03000509000000000000" pitchFamily="65" charset="-120"/>
-              <a:ea typeface="DFKai-SB" panose="03000509000000000000" pitchFamily="65" charset="-120"/>
-            </a:endParaRPr>
-          </a:p>
-        </p:txBody>
-      </p:sp>
     </p:spTree>
     <p:extLst>
       <p:ext uri="{BB962C8B-B14F-4D97-AF65-F5344CB8AC3E}">
@@ -12098,14 +12098,128 @@
       </p:sp>
       <p:sp>
         <p:nvSpPr>
-          <p:cNvPr id="6" name="矩形 5"/>
+          <p:cNvPr id="10" name="矩形 9"/>
           <p:cNvSpPr/>
           <p:nvPr/>
         </p:nvSpPr>
         <p:spPr>
           <a:xfrm>
-            <a:off x="1976050" y="0"/>
-            <a:ext cx="3431150" cy="3430800"/>
+            <a:off x="-1" y="0"/>
+            <a:ext cx="1976049" cy="6858000"/>
+          </a:xfrm>
+          <a:prstGeom prst="rect">
+            <a:avLst/>
+          </a:prstGeom>
+          <a:solidFill>
+            <a:schemeClr val="bg1"/>
+          </a:solidFill>
+          <a:ln>
+            <a:noFill/>
+          </a:ln>
+        </p:spPr>
+        <p:style>
+          <a:lnRef idx="2">
+            <a:schemeClr val="accent1">
+              <a:shade val="50000"/>
+            </a:schemeClr>
+          </a:lnRef>
+          <a:fillRef idx="1">
+            <a:schemeClr val="accent1"/>
+          </a:fillRef>
+          <a:effectRef idx="0">
+            <a:schemeClr val="accent1"/>
+          </a:effectRef>
+          <a:fontRef idx="minor">
+            <a:schemeClr val="lt1"/>
+          </a:fontRef>
+        </p:style>
+        <p:txBody>
+          <a:bodyPr rtlCol="0" anchor="ctr"/>
+          <a:lstStyle/>
+          <a:p>
+            <a:pPr algn="ctr">
+              <a:lnSpc>
+                <a:spcPct val="85000"/>
+              </a:lnSpc>
+            </a:pPr>
+            <a:r>
+              <a:rPr lang="zh-TW" altLang="en-US" sz="12500" b="1" smtClean="0">
+                <a:solidFill>
+                  <a:schemeClr val="tx1"/>
+                </a:solidFill>
+                <a:latin typeface="DFKai-SB" panose="03000509000000000000" pitchFamily="65" charset="-120"/>
+                <a:ea typeface="DFKai-SB" panose="03000509000000000000" pitchFamily="65" charset="-120"/>
+              </a:rPr>
+              <a:t>晉陝</a:t>
+            </a:r>
+            <a:endParaRPr lang="en-US" altLang="zh-TW" sz="12500" b="1" smtClean="0">
+              <a:solidFill>
+                <a:schemeClr val="tx1"/>
+              </a:solidFill>
+              <a:latin typeface="DFKai-SB" panose="03000509000000000000" pitchFamily="65" charset="-120"/>
+              <a:ea typeface="DFKai-SB" panose="03000509000000000000" pitchFamily="65" charset="-120"/>
+            </a:endParaRPr>
+          </a:p>
+          <a:p>
+            <a:pPr algn="ctr">
+              <a:lnSpc>
+                <a:spcPct val="85000"/>
+              </a:lnSpc>
+            </a:pPr>
+            <a:r>
+              <a:rPr lang="zh-TW" altLang="en-US" sz="12500" b="1" smtClean="0">
+                <a:solidFill>
+                  <a:schemeClr val="tx1"/>
+                </a:solidFill>
+                <a:latin typeface="DFKai-SB" panose="03000509000000000000" pitchFamily="65" charset="-120"/>
+                <a:ea typeface="DFKai-SB" panose="03000509000000000000" pitchFamily="65" charset="-120"/>
+              </a:rPr>
+              <a:t>行</a:t>
+            </a:r>
+            <a:endParaRPr lang="en-US" altLang="zh-TW" sz="12500" b="1" smtClean="0">
+              <a:solidFill>
+                <a:schemeClr val="tx1"/>
+              </a:solidFill>
+              <a:latin typeface="DFKai-SB" panose="03000509000000000000" pitchFamily="65" charset="-120"/>
+              <a:ea typeface="DFKai-SB" panose="03000509000000000000" pitchFamily="65" charset="-120"/>
+            </a:endParaRPr>
+          </a:p>
+          <a:p>
+            <a:pPr algn="ctr">
+              <a:lnSpc>
+                <a:spcPct val="85000"/>
+              </a:lnSpc>
+            </a:pPr>
+            <a:r>
+              <a:rPr lang="zh-TW" altLang="en-US" sz="12500" b="1" smtClean="0">
+                <a:solidFill>
+                  <a:schemeClr val="tx1"/>
+                </a:solidFill>
+                <a:latin typeface="DFKai-SB" panose="03000509000000000000" pitchFamily="65" charset="-120"/>
+                <a:ea typeface="DFKai-SB" panose="03000509000000000000" pitchFamily="65" charset="-120"/>
+              </a:rPr>
+              <a:t>署</a:t>
+            </a:r>
+            <a:endParaRPr lang="en-US" altLang="zh-TW" sz="12500" b="1" smtClean="0">
+              <a:solidFill>
+                <a:schemeClr val="tx1"/>
+              </a:solidFill>
+              <a:latin typeface="DFKai-SB" panose="03000509000000000000" pitchFamily="65" charset="-120"/>
+              <a:ea typeface="DFKai-SB" panose="03000509000000000000" pitchFamily="65" charset="-120"/>
+            </a:endParaRPr>
+          </a:p>
+        </p:txBody>
+      </p:sp>
+      <p:sp>
+        <p:nvSpPr>
+          <p:cNvPr id="11" name="矩形 10"/>
+          <p:cNvSpPr/>
+          <p:nvPr/>
+        </p:nvSpPr>
+        <p:spPr>
+          <a:xfrm>
+            <a:off x="4184649" y="1715399"/>
+            <a:ext cx="4420800" cy="3427200"/>
           </a:xfrm>
           <a:prstGeom prst="rect">
             <a:avLst/>
@@ -12144,13 +12258,13 @@
       </p:sp>
       <p:grpSp>
         <p:nvGrpSpPr>
-          <p:cNvPr id="7" name="群組 6"/>
+          <p:cNvPr id="12" name="群組 11"/>
           <p:cNvGrpSpPr/>
           <p:nvPr/>
         </p:nvGrpSpPr>
         <p:grpSpPr>
           <a:xfrm>
-            <a:off x="2392415" y="416190"/>
+            <a:off x="5095839" y="2129789"/>
             <a:ext cx="2598419" cy="2598419"/>
             <a:chOff x="3238500" y="571501"/>
             <a:chExt cx="5715000" cy="5714999"/>
@@ -12158,7 +12272,7 @@
         </p:grpSpPr>
         <p:sp>
           <p:nvSpPr>
-            <p:cNvPr id="8" name="手繪多邊形 7"/>
+            <p:cNvPr id="13" name="手繪多邊形 12"/>
             <p:cNvSpPr/>
             <p:nvPr/>
           </p:nvSpPr>
@@ -12770,7 +12884,7 @@
         </p:sp>
         <p:sp>
           <p:nvSpPr>
-            <p:cNvPr id="9" name="橢圓 8"/>
+            <p:cNvPr id="14" name="橢圓 13"/>
             <p:cNvSpPr/>
             <p:nvPr/>
           </p:nvSpPr>
@@ -12815,120 +12929,6 @@
           </p:txBody>
         </p:sp>
       </p:grpSp>
-      <p:sp>
-        <p:nvSpPr>
-          <p:cNvPr id="10" name="矩形 9"/>
-          <p:cNvSpPr/>
-          <p:nvPr/>
-        </p:nvSpPr>
-        <p:spPr>
-          <a:xfrm>
-            <a:off x="-1" y="0"/>
-            <a:ext cx="1976049" cy="6858000"/>
-          </a:xfrm>
-          <a:prstGeom prst="rect">
-            <a:avLst/>
-          </a:prstGeom>
-          <a:solidFill>
-            <a:schemeClr val="bg1"/>
-          </a:solidFill>
-          <a:ln>
-            <a:noFill/>
-          </a:ln>
-        </p:spPr>
-        <p:style>
-          <a:lnRef idx="2">
-            <a:schemeClr val="accent1">
-              <a:shade val="50000"/>
-            </a:schemeClr>
-          </a:lnRef>
-          <a:fillRef idx="1">
-            <a:schemeClr val="accent1"/>
-          </a:fillRef>
-          <a:effectRef idx="0">
-            <a:schemeClr val="accent1"/>
-          </a:effectRef>
-          <a:fontRef idx="minor">
-            <a:schemeClr val="lt1"/>
-          </a:fontRef>
-        </p:style>
-        <p:txBody>
-          <a:bodyPr rtlCol="0" anchor="ctr"/>
-          <a:lstStyle/>
-          <a:p>
-            <a:pPr algn="ctr">
-              <a:lnSpc>
-                <a:spcPct val="85000"/>
-              </a:lnSpc>
-            </a:pPr>
-            <a:r>
-              <a:rPr lang="zh-TW" altLang="en-US" sz="12500" b="1" smtClean="0">
-                <a:solidFill>
-                  <a:schemeClr val="tx1"/>
-                </a:solidFill>
-                <a:latin typeface="DFKai-SB" panose="03000509000000000000" pitchFamily="65" charset="-120"/>
-                <a:ea typeface="DFKai-SB" panose="03000509000000000000" pitchFamily="65" charset="-120"/>
-              </a:rPr>
-              <a:t>晉陝</a:t>
-            </a:r>
-            <a:endParaRPr lang="en-US" altLang="zh-TW" sz="12500" b="1" smtClean="0">
-              <a:solidFill>
-                <a:schemeClr val="tx1"/>
-              </a:solidFill>
-              <a:latin typeface="DFKai-SB" panose="03000509000000000000" pitchFamily="65" charset="-120"/>
-              <a:ea typeface="DFKai-SB" panose="03000509000000000000" pitchFamily="65" charset="-120"/>
-            </a:endParaRPr>
-          </a:p>
-          <a:p>
-            <a:pPr algn="ctr">
-              <a:lnSpc>
-                <a:spcPct val="85000"/>
-              </a:lnSpc>
-            </a:pPr>
-            <a:r>
-              <a:rPr lang="zh-TW" altLang="en-US" sz="12500" b="1" smtClean="0">
-                <a:solidFill>
-                  <a:schemeClr val="tx1"/>
-                </a:solidFill>
-                <a:latin typeface="DFKai-SB" panose="03000509000000000000" pitchFamily="65" charset="-120"/>
-                <a:ea typeface="DFKai-SB" panose="03000509000000000000" pitchFamily="65" charset="-120"/>
-              </a:rPr>
-              <a:t>行</a:t>
-            </a:r>
-            <a:endParaRPr lang="en-US" altLang="zh-TW" sz="12500" b="1" smtClean="0">
-              <a:solidFill>
-                <a:schemeClr val="tx1"/>
-              </a:solidFill>
-              <a:latin typeface="DFKai-SB" panose="03000509000000000000" pitchFamily="65" charset="-120"/>
-              <a:ea typeface="DFKai-SB" panose="03000509000000000000" pitchFamily="65" charset="-120"/>
-            </a:endParaRPr>
-          </a:p>
-          <a:p>
-            <a:pPr algn="ctr">
-              <a:lnSpc>
-                <a:spcPct val="85000"/>
-              </a:lnSpc>
-            </a:pPr>
-            <a:r>
-              <a:rPr lang="zh-TW" altLang="en-US" sz="12500" b="1" smtClean="0">
-                <a:solidFill>
-                  <a:schemeClr val="tx1"/>
-                </a:solidFill>
-                <a:latin typeface="DFKai-SB" panose="03000509000000000000" pitchFamily="65" charset="-120"/>
-                <a:ea typeface="DFKai-SB" panose="03000509000000000000" pitchFamily="65" charset="-120"/>
-              </a:rPr>
-              <a:t>署</a:t>
-            </a:r>
-            <a:endParaRPr lang="en-US" altLang="zh-TW" sz="12500" b="1" smtClean="0">
-              <a:solidFill>
-                <a:schemeClr val="tx1"/>
-              </a:solidFill>
-              <a:latin typeface="DFKai-SB" panose="03000509000000000000" pitchFamily="65" charset="-120"/>
-              <a:ea typeface="DFKai-SB" panose="03000509000000000000" pitchFamily="65" charset="-120"/>
-            </a:endParaRPr>
-          </a:p>
-        </p:txBody>
-      </p:sp>
     </p:spTree>
     <p:extLst>
       <p:ext uri="{BB962C8B-B14F-4D97-AF65-F5344CB8AC3E}">
@@ -13007,14 +13007,152 @@
       </p:sp>
       <p:sp>
         <p:nvSpPr>
-          <p:cNvPr id="6" name="矩形 5"/>
+          <p:cNvPr id="10" name="矩形 9"/>
           <p:cNvSpPr/>
           <p:nvPr/>
         </p:nvSpPr>
         <p:spPr>
           <a:xfrm>
-            <a:off x="1976050" y="0"/>
-            <a:ext cx="3431150" cy="3430800"/>
+            <a:off x="-1" y="0"/>
+            <a:ext cx="1976049" cy="6858000"/>
+          </a:xfrm>
+          <a:prstGeom prst="rect">
+            <a:avLst/>
+          </a:prstGeom>
+          <a:solidFill>
+            <a:schemeClr val="bg1"/>
+          </a:solidFill>
+          <a:ln>
+            <a:noFill/>
+          </a:ln>
+        </p:spPr>
+        <p:style>
+          <a:lnRef idx="2">
+            <a:schemeClr val="accent1">
+              <a:shade val="50000"/>
+            </a:schemeClr>
+          </a:lnRef>
+          <a:fillRef idx="1">
+            <a:schemeClr val="accent1"/>
+          </a:fillRef>
+          <a:effectRef idx="0">
+            <a:schemeClr val="accent1"/>
+          </a:effectRef>
+          <a:fontRef idx="minor">
+            <a:schemeClr val="lt1"/>
+          </a:fontRef>
+        </p:style>
+        <p:txBody>
+          <a:bodyPr rtlCol="0" anchor="ctr"/>
+          <a:lstStyle/>
+          <a:p>
+            <a:pPr algn="ctr">
+              <a:lnSpc>
+                <a:spcPct val="85000"/>
+              </a:lnSpc>
+            </a:pPr>
+            <a:r>
+              <a:rPr lang="zh-TW" altLang="en-US" sz="12500" b="1" smtClean="0">
+                <a:solidFill>
+                  <a:schemeClr val="tx1"/>
+                </a:solidFill>
+                <a:latin typeface="DFKai-SB" panose="03000509000000000000" pitchFamily="65" charset="-120"/>
+                <a:ea typeface="DFKai-SB" panose="03000509000000000000" pitchFamily="65" charset="-120"/>
+              </a:rPr>
+              <a:t>西</a:t>
+            </a:r>
+            <a:endParaRPr lang="en-US" altLang="zh-TW" sz="12500" b="1" smtClean="0">
+              <a:solidFill>
+                <a:schemeClr val="tx1"/>
+              </a:solidFill>
+              <a:latin typeface="DFKai-SB" panose="03000509000000000000" pitchFamily="65" charset="-120"/>
+              <a:ea typeface="DFKai-SB" panose="03000509000000000000" pitchFamily="65" charset="-120"/>
+            </a:endParaRPr>
+          </a:p>
+          <a:p>
+            <a:pPr algn="ctr">
+              <a:lnSpc>
+                <a:spcPct val="85000"/>
+              </a:lnSpc>
+            </a:pPr>
+            <a:r>
+              <a:rPr lang="zh-TW" altLang="en-US" sz="12500" b="1" smtClean="0">
+                <a:solidFill>
+                  <a:schemeClr val="tx1"/>
+                </a:solidFill>
+                <a:latin typeface="DFKai-SB" panose="03000509000000000000" pitchFamily="65" charset="-120"/>
+                <a:ea typeface="DFKai-SB" panose="03000509000000000000" pitchFamily="65" charset="-120"/>
+              </a:rPr>
+              <a:t>北</a:t>
+            </a:r>
+            <a:endParaRPr lang="en-US" altLang="zh-TW" sz="12500" b="1" smtClean="0">
+              <a:solidFill>
+                <a:schemeClr val="tx1"/>
+              </a:solidFill>
+              <a:latin typeface="DFKai-SB" panose="03000509000000000000" pitchFamily="65" charset="-120"/>
+              <a:ea typeface="DFKai-SB" panose="03000509000000000000" pitchFamily="65" charset="-120"/>
+            </a:endParaRPr>
+          </a:p>
+          <a:p>
+            <a:pPr algn="ctr">
+              <a:lnSpc>
+                <a:spcPct val="85000"/>
+              </a:lnSpc>
+            </a:pPr>
+            <a:r>
+              <a:rPr lang="zh-TW" altLang="en-US" sz="12500" b="1" smtClean="0">
+                <a:solidFill>
+                  <a:schemeClr val="tx1"/>
+                </a:solidFill>
+                <a:latin typeface="DFKai-SB" panose="03000509000000000000" pitchFamily="65" charset="-120"/>
+                <a:ea typeface="DFKai-SB" panose="03000509000000000000" pitchFamily="65" charset="-120"/>
+              </a:rPr>
+              <a:t>行</a:t>
+            </a:r>
+            <a:endParaRPr lang="en-US" altLang="zh-TW" sz="12500" b="1" smtClean="0">
+              <a:solidFill>
+                <a:schemeClr val="tx1"/>
+              </a:solidFill>
+              <a:latin typeface="DFKai-SB" panose="03000509000000000000" pitchFamily="65" charset="-120"/>
+              <a:ea typeface="DFKai-SB" panose="03000509000000000000" pitchFamily="65" charset="-120"/>
+            </a:endParaRPr>
+          </a:p>
+          <a:p>
+            <a:pPr algn="ctr">
+              <a:lnSpc>
+                <a:spcPct val="85000"/>
+              </a:lnSpc>
+            </a:pPr>
+            <a:r>
+              <a:rPr lang="zh-TW" altLang="en-US" sz="12500" b="1" smtClean="0">
+                <a:solidFill>
+                  <a:schemeClr val="tx1"/>
+                </a:solidFill>
+                <a:latin typeface="DFKai-SB" panose="03000509000000000000" pitchFamily="65" charset="-120"/>
+                <a:ea typeface="DFKai-SB" panose="03000509000000000000" pitchFamily="65" charset="-120"/>
+              </a:rPr>
+              <a:t>署</a:t>
+            </a:r>
+            <a:endParaRPr lang="en-US" altLang="zh-TW" sz="12500" b="1" smtClean="0">
+              <a:solidFill>
+                <a:schemeClr val="tx1"/>
+              </a:solidFill>
+              <a:latin typeface="DFKai-SB" panose="03000509000000000000" pitchFamily="65" charset="-120"/>
+              <a:ea typeface="DFKai-SB" panose="03000509000000000000" pitchFamily="65" charset="-120"/>
+            </a:endParaRPr>
+          </a:p>
+        </p:txBody>
+      </p:sp>
+      <p:sp>
+        <p:nvSpPr>
+          <p:cNvPr id="11" name="矩形 10"/>
+          <p:cNvSpPr/>
+          <p:nvPr/>
+        </p:nvSpPr>
+        <p:spPr>
+          <a:xfrm>
+            <a:off x="4184649" y="1715399"/>
+            <a:ext cx="4420800" cy="3427200"/>
           </a:xfrm>
           <a:prstGeom prst="rect">
             <a:avLst/>
@@ -13053,13 +13191,13 @@
       </p:sp>
       <p:grpSp>
         <p:nvGrpSpPr>
-          <p:cNvPr id="7" name="群組 6"/>
+          <p:cNvPr id="12" name="群組 11"/>
           <p:cNvGrpSpPr/>
           <p:nvPr/>
         </p:nvGrpSpPr>
         <p:grpSpPr>
           <a:xfrm>
-            <a:off x="2392415" y="416190"/>
+            <a:off x="5095839" y="2129789"/>
             <a:ext cx="2598419" cy="2598419"/>
             <a:chOff x="3238500" y="571501"/>
             <a:chExt cx="5715000" cy="5714999"/>
@@ -13067,7 +13205,7 @@
         </p:grpSpPr>
         <p:sp>
           <p:nvSpPr>
-            <p:cNvPr id="8" name="手繪多邊形 7"/>
+            <p:cNvPr id="13" name="手繪多邊形 12"/>
             <p:cNvSpPr/>
             <p:nvPr/>
           </p:nvSpPr>
@@ -13679,7 +13817,7 @@
         </p:sp>
         <p:sp>
           <p:nvSpPr>
-            <p:cNvPr id="9" name="橢圓 8"/>
+            <p:cNvPr id="14" name="橢圓 13"/>
             <p:cNvSpPr/>
             <p:nvPr/>
           </p:nvSpPr>
@@ -13724,144 +13862,6 @@
           </p:txBody>
         </p:sp>
       </p:grpSp>
-      <p:sp>
-        <p:nvSpPr>
-          <p:cNvPr id="10" name="矩形 9"/>
-          <p:cNvSpPr/>
-          <p:nvPr/>
-        </p:nvSpPr>
-        <p:spPr>
-          <a:xfrm>
-            <a:off x="-1" y="0"/>
-            <a:ext cx="1976049" cy="6858000"/>
-          </a:xfrm>
-          <a:prstGeom prst="rect">
-            <a:avLst/>
-          </a:prstGeom>
-          <a:solidFill>
-            <a:schemeClr val="bg1"/>
-          </a:solidFill>
-          <a:ln>
-            <a:noFill/>
-          </a:ln>
-        </p:spPr>
-        <p:style>
-          <a:lnRef idx="2">
-            <a:schemeClr val="accent1">
-              <a:shade val="50000"/>
-            </a:schemeClr>
-          </a:lnRef>
-          <a:fillRef idx="1">
-            <a:schemeClr val="accent1"/>
-          </a:fillRef>
-          <a:effectRef idx="0">
-            <a:schemeClr val="accent1"/>
-          </a:effectRef>
-          <a:fontRef idx="minor">
-            <a:schemeClr val="lt1"/>
-          </a:fontRef>
-        </p:style>
-        <p:txBody>
-          <a:bodyPr rtlCol="0" anchor="ctr"/>
-          <a:lstStyle/>
-          <a:p>
-            <a:pPr algn="ctr">
-              <a:lnSpc>
-                <a:spcPct val="85000"/>
-              </a:lnSpc>
-            </a:pPr>
-            <a:r>
-              <a:rPr lang="zh-TW" altLang="en-US" sz="12500" b="1" smtClean="0">
-                <a:solidFill>
-                  <a:schemeClr val="tx1"/>
-                </a:solidFill>
-                <a:latin typeface="DFKai-SB" panose="03000509000000000000" pitchFamily="65" charset="-120"/>
-                <a:ea typeface="DFKai-SB" panose="03000509000000000000" pitchFamily="65" charset="-120"/>
-              </a:rPr>
-              <a:t>西</a:t>
-            </a:r>
-            <a:endParaRPr lang="en-US" altLang="zh-TW" sz="12500" b="1" smtClean="0">
-              <a:solidFill>
-                <a:schemeClr val="tx1"/>
-              </a:solidFill>
-              <a:latin typeface="DFKai-SB" panose="03000509000000000000" pitchFamily="65" charset="-120"/>
-              <a:ea typeface="DFKai-SB" panose="03000509000000000000" pitchFamily="65" charset="-120"/>
-            </a:endParaRPr>
-          </a:p>
-          <a:p>
-            <a:pPr algn="ctr">
-              <a:lnSpc>
-                <a:spcPct val="85000"/>
-              </a:lnSpc>
-            </a:pPr>
-            <a:r>
-              <a:rPr lang="zh-TW" altLang="en-US" sz="12500" b="1" smtClean="0">
-                <a:solidFill>
-                  <a:schemeClr val="tx1"/>
-                </a:solidFill>
-                <a:latin typeface="DFKai-SB" panose="03000509000000000000" pitchFamily="65" charset="-120"/>
-                <a:ea typeface="DFKai-SB" panose="03000509000000000000" pitchFamily="65" charset="-120"/>
-              </a:rPr>
-              <a:t>北</a:t>
-            </a:r>
-            <a:endParaRPr lang="en-US" altLang="zh-TW" sz="12500" b="1" smtClean="0">
-              <a:solidFill>
-                <a:schemeClr val="tx1"/>
-              </a:solidFill>
-              <a:latin typeface="DFKai-SB" panose="03000509000000000000" pitchFamily="65" charset="-120"/>
-              <a:ea typeface="DFKai-SB" panose="03000509000000000000" pitchFamily="65" charset="-120"/>
-            </a:endParaRPr>
-          </a:p>
-          <a:p>
-            <a:pPr algn="ctr">
-              <a:lnSpc>
-                <a:spcPct val="85000"/>
-              </a:lnSpc>
-            </a:pPr>
-            <a:r>
-              <a:rPr lang="zh-TW" altLang="en-US" sz="12500" b="1" smtClean="0">
-                <a:solidFill>
-                  <a:schemeClr val="tx1"/>
-                </a:solidFill>
-                <a:latin typeface="DFKai-SB" panose="03000509000000000000" pitchFamily="65" charset="-120"/>
-                <a:ea typeface="DFKai-SB" panose="03000509000000000000" pitchFamily="65" charset="-120"/>
-              </a:rPr>
-              <a:t>行</a:t>
-            </a:r>
-            <a:endParaRPr lang="en-US" altLang="zh-TW" sz="12500" b="1" smtClean="0">
-              <a:solidFill>
-                <a:schemeClr val="tx1"/>
-              </a:solidFill>
-              <a:latin typeface="DFKai-SB" panose="03000509000000000000" pitchFamily="65" charset="-120"/>
-              <a:ea typeface="DFKai-SB" panose="03000509000000000000" pitchFamily="65" charset="-120"/>
-            </a:endParaRPr>
-          </a:p>
-          <a:p>
-            <a:pPr algn="ctr">
-              <a:lnSpc>
-                <a:spcPct val="85000"/>
-              </a:lnSpc>
-            </a:pPr>
-            <a:r>
-              <a:rPr lang="zh-TW" altLang="en-US" sz="12500" b="1" smtClean="0">
-                <a:solidFill>
-                  <a:schemeClr val="tx1"/>
-                </a:solidFill>
-                <a:latin typeface="DFKai-SB" panose="03000509000000000000" pitchFamily="65" charset="-120"/>
-                <a:ea typeface="DFKai-SB" panose="03000509000000000000" pitchFamily="65" charset="-120"/>
-              </a:rPr>
-              <a:t>署</a:t>
-            </a:r>
-            <a:endParaRPr lang="en-US" altLang="zh-TW" sz="12500" b="1" smtClean="0">
-              <a:solidFill>
-                <a:schemeClr val="tx1"/>
-              </a:solidFill>
-              <a:latin typeface="DFKai-SB" panose="03000509000000000000" pitchFamily="65" charset="-120"/>
-              <a:ea typeface="DFKai-SB" panose="03000509000000000000" pitchFamily="65" charset="-120"/>
-            </a:endParaRPr>
-          </a:p>
-        </p:txBody>
-      </p:sp>
     </p:spTree>
     <p:extLst>
       <p:ext uri="{BB962C8B-B14F-4D97-AF65-F5344CB8AC3E}">
